--- a/UE19CS204 – WT – Project Report.pptx
+++ b/UE19CS204 – WT – Project Report.pptx
@@ -3143,7 +3143,7 @@
               </a:defRPr>
             </a:pPr>
             <a:r>
-              <a:t>Clients can book hotels at their destination and also book reservations for their pets like kennels, resorts for pets, and more at a great price in one polished platform!</a:t>
+              <a:t>Clients can book hotels at their destination and also book reservations for their pets like kennels or sitters, spas for pets, and more at a great price in one polished platform!</a:t>
             </a:r>
           </a:p>
           <a:p>
@@ -3377,203 +3377,209 @@
           <a:bodyPr/>
           <a:lstStyle/>
           <a:p>
-            <a:pPr marL="267461" indent="-267461" defTabSz="713231">
-              <a:spcBef>
-                <a:spcPts val="500"/>
-              </a:spcBef>
-              <a:defRPr sz="1560"/>
+            <a:pPr marL="342899" indent="-342899">
+              <a:defRPr sz="1800">
+                <a:latin typeface="+mj-lt"/>
+                <a:ea typeface="+mj-ea"/>
+                <a:cs typeface="+mj-cs"/>
+                <a:sym typeface="Helvetica"/>
+              </a:defRPr>
             </a:pPr>
             <a:r>
               <a:t>Petra Frontend - </a:t>
             </a:r>
           </a:p>
           <a:p>
-            <a:pPr lvl="1" marL="534923" indent="-178307" defTabSz="713231">
-              <a:spcBef>
-                <a:spcPts val="500"/>
-              </a:spcBef>
+            <a:pPr marL="228600" indent="-228600">
               <a:buAutoNum type="arabicParenR" startAt="1"/>
-              <a:defRPr sz="1560"/>
-            </a:pPr>
-            <a:r>
-              <a:t>     @appbaseio/reactivesearch</a:t>
-            </a:r>
-          </a:p>
-          <a:p>
-            <a:pPr lvl="1" marL="534923" indent="-178307" defTabSz="713231">
-              <a:spcBef>
-                <a:spcPts val="500"/>
-              </a:spcBef>
+              <a:defRPr sz="1500">
+                <a:latin typeface="+mj-lt"/>
+                <a:ea typeface="+mj-ea"/>
+                <a:cs typeface="+mj-cs"/>
+                <a:sym typeface="Helvetica"/>
+              </a:defRPr>
+            </a:pPr>
+            <a:r>
+              <a:t>     @date-io/date-fns</a:t>
+            </a:r>
+          </a:p>
+          <a:p>
+            <a:pPr marL="228600" indent="-228600">
               <a:buAutoNum type="arabicParenR" startAt="1"/>
-              <a:defRPr sz="1560"/>
-            </a:pPr>
-            <a:r>
-              <a:t>     @date-io/date-fns</a:t>
-            </a:r>
-          </a:p>
-          <a:p>
-            <a:pPr lvl="1" marL="534923" indent="-178307" defTabSz="713231">
-              <a:spcBef>
-                <a:spcPts val="500"/>
-              </a:spcBef>
+              <a:defRPr sz="1500">
+                <a:latin typeface="+mj-lt"/>
+                <a:ea typeface="+mj-ea"/>
+                <a:cs typeface="+mj-cs"/>
+                <a:sym typeface="Helvetica"/>
+              </a:defRPr>
+            </a:pPr>
+            <a:r>
+              <a:t>     @material-ui/core</a:t>
+            </a:r>
+          </a:p>
+          <a:p>
+            <a:pPr marL="228600" indent="-228600">
               <a:buAutoNum type="arabicParenR" startAt="1"/>
-              <a:defRPr sz="1560"/>
-            </a:pPr>
-            <a:r>
-              <a:t>     @material-ui/core</a:t>
-            </a:r>
-          </a:p>
-          <a:p>
-            <a:pPr lvl="1" marL="534923" indent="-178307" defTabSz="713231">
-              <a:spcBef>
-                <a:spcPts val="500"/>
-              </a:spcBef>
+              <a:defRPr sz="1500">
+                <a:latin typeface="+mj-lt"/>
+                <a:ea typeface="+mj-ea"/>
+                <a:cs typeface="+mj-cs"/>
+                <a:sym typeface="Helvetica"/>
+              </a:defRPr>
+            </a:pPr>
+            <a:r>
+              <a:t>     @material-ui/icons</a:t>
+            </a:r>
+          </a:p>
+          <a:p>
+            <a:pPr marL="228600" indent="-228600">
               <a:buAutoNum type="arabicParenR" startAt="1"/>
-              <a:defRPr sz="1560"/>
-            </a:pPr>
-            <a:r>
-              <a:t>     @material-ui/icons</a:t>
-            </a:r>
-          </a:p>
-          <a:p>
-            <a:pPr lvl="1" marL="534923" indent="-178307" defTabSz="713231">
-              <a:spcBef>
-                <a:spcPts val="500"/>
-              </a:spcBef>
+              <a:defRPr sz="1500">
+                <a:latin typeface="+mj-lt"/>
+                <a:ea typeface="+mj-ea"/>
+                <a:cs typeface="+mj-cs"/>
+                <a:sym typeface="Helvetica"/>
+              </a:defRPr>
+            </a:pPr>
+            <a:r>
+              <a:t>     @material-ui/pickers</a:t>
+            </a:r>
+          </a:p>
+          <a:p>
+            <a:pPr marL="228600" indent="-228600">
               <a:buAutoNum type="arabicParenR" startAt="1"/>
-              <a:defRPr sz="1560"/>
-            </a:pPr>
-            <a:r>
-              <a:t>     @material-ui/pickers</a:t>
-            </a:r>
-          </a:p>
-          <a:p>
-            <a:pPr lvl="1" marL="534923" indent="-178307" defTabSz="713231">
-              <a:spcBef>
-                <a:spcPts val="500"/>
-              </a:spcBef>
+              <a:defRPr sz="1500">
+                <a:latin typeface="+mj-lt"/>
+                <a:ea typeface="+mj-ea"/>
+                <a:cs typeface="+mj-cs"/>
+                <a:sym typeface="Helvetica"/>
+              </a:defRPr>
+            </a:pPr>
+            <a:r>
+              <a:t>     @testing-library/jest-dom</a:t>
+            </a:r>
+          </a:p>
+          <a:p>
+            <a:pPr marL="228600" indent="-228600">
               <a:buAutoNum type="arabicParenR" startAt="1"/>
-              <a:defRPr sz="1560"/>
-            </a:pPr>
-            <a:r>
-              <a:t>     @testing-library/jest-dom</a:t>
-            </a:r>
-          </a:p>
-          <a:p>
-            <a:pPr lvl="1" marL="534923" indent="-178307" defTabSz="713231">
-              <a:spcBef>
-                <a:spcPts val="500"/>
-              </a:spcBef>
+              <a:defRPr sz="1500">
+                <a:latin typeface="+mj-lt"/>
+                <a:ea typeface="+mj-ea"/>
+                <a:cs typeface="+mj-cs"/>
+                <a:sym typeface="Helvetica"/>
+              </a:defRPr>
+            </a:pPr>
+            <a:r>
+              <a:t>     @testing-library/react</a:t>
+            </a:r>
+          </a:p>
+          <a:p>
+            <a:pPr marL="228600" indent="-228600">
               <a:buAutoNum type="arabicParenR" startAt="1"/>
-              <a:defRPr sz="1560"/>
-            </a:pPr>
-            <a:r>
-              <a:t>     @testing-library/react</a:t>
-            </a:r>
-          </a:p>
-          <a:p>
-            <a:pPr lvl="1" marL="534923" indent="-178307" defTabSz="713231">
-              <a:spcBef>
-                <a:spcPts val="500"/>
-              </a:spcBef>
+              <a:defRPr sz="1500">
+                <a:latin typeface="+mj-lt"/>
+                <a:ea typeface="+mj-ea"/>
+                <a:cs typeface="+mj-cs"/>
+                <a:sym typeface="Helvetica"/>
+              </a:defRPr>
+            </a:pPr>
+            <a:r>
+              <a:t>     @testing-library/user-event</a:t>
+            </a:r>
+          </a:p>
+          <a:p>
+            <a:pPr marL="228600" indent="-228600">
               <a:buAutoNum type="arabicParenR" startAt="1"/>
-              <a:defRPr sz="1560"/>
-            </a:pPr>
-            <a:r>
-              <a:t>     @testing-library/user-event</a:t>
-            </a:r>
-          </a:p>
-          <a:p>
-            <a:pPr lvl="1" marL="534923" indent="-178307" defTabSz="713231">
-              <a:spcBef>
-                <a:spcPts val="500"/>
-              </a:spcBef>
+              <a:defRPr sz="1500">
+                <a:latin typeface="+mj-lt"/>
+                <a:ea typeface="+mj-ea"/>
+                <a:cs typeface="+mj-cs"/>
+                <a:sym typeface="Helvetica"/>
+              </a:defRPr>
+            </a:pPr>
+            <a:r>
+              <a:t>     axios</a:t>
+            </a:r>
+          </a:p>
+          <a:p>
+            <a:pPr marL="228600" indent="-228600">
               <a:buAutoNum type="arabicParenR" startAt="1"/>
-              <a:defRPr sz="1560"/>
-            </a:pPr>
-            <a:r>
-              <a:t>     axios</a:t>
-            </a:r>
-          </a:p>
-          <a:p>
-            <a:pPr lvl="1" marL="534923" indent="-178307" defTabSz="713231">
-              <a:spcBef>
-                <a:spcPts val="500"/>
-              </a:spcBef>
+              <a:defRPr sz="1500">
+                <a:latin typeface="+mj-lt"/>
+                <a:ea typeface="+mj-ea"/>
+                <a:cs typeface="+mj-cs"/>
+                <a:sym typeface="Helvetica"/>
+              </a:defRPr>
+            </a:pPr>
+            <a:r>
+              <a:t>     date-fns</a:t>
+            </a:r>
+          </a:p>
+          <a:p>
+            <a:pPr marL="228600" indent="-228600">
               <a:buAutoNum type="arabicParenR" startAt="1"/>
-              <a:defRPr sz="1560"/>
-            </a:pPr>
-            <a:r>
-              <a:t>    date-fns:</a:t>
-            </a:r>
-          </a:p>
-          <a:p>
-            <a:pPr lvl="1" marL="534923" indent="-178307" defTabSz="713231">
-              <a:spcBef>
-                <a:spcPts val="500"/>
-              </a:spcBef>
+              <a:defRPr sz="1500">
+                <a:latin typeface="+mj-lt"/>
+                <a:ea typeface="+mj-ea"/>
+                <a:cs typeface="+mj-cs"/>
+                <a:sym typeface="Helvetica"/>
+              </a:defRPr>
+            </a:pPr>
+            <a:r>
+              <a:t>    jquery</a:t>
+            </a:r>
+          </a:p>
+          <a:p>
+            <a:pPr marL="228600" indent="-228600">
               <a:buAutoNum type="arabicParenR" startAt="1"/>
-              <a:defRPr sz="1560"/>
-            </a:pPr>
-            <a:r>
-              <a:t>    jquery</a:t>
-            </a:r>
-          </a:p>
-          <a:p>
-            <a:pPr lvl="1" marL="534923" indent="-178307" defTabSz="713231">
-              <a:spcBef>
-                <a:spcPts val="500"/>
-              </a:spcBef>
+              <a:defRPr sz="1500">
+                <a:latin typeface="+mj-lt"/>
+                <a:ea typeface="+mj-ea"/>
+                <a:cs typeface="+mj-cs"/>
+                <a:sym typeface="Helvetica"/>
+              </a:defRPr>
+            </a:pPr>
+            <a:r>
+              <a:t>    leaflet</a:t>
+            </a:r>
+          </a:p>
+          <a:p>
+            <a:pPr marL="228600" indent="-228600">
               <a:buAutoNum type="arabicParenR" startAt="1"/>
-              <a:defRPr sz="1560"/>
-            </a:pPr>
-            <a:r>
-              <a:t>    leaflet</a:t>
-            </a:r>
-          </a:p>
-          <a:p>
-            <a:pPr lvl="1" marL="534923" indent="-178307" defTabSz="713231">
-              <a:spcBef>
-                <a:spcPts val="500"/>
-              </a:spcBef>
+              <a:defRPr sz="1500">
+                <a:latin typeface="+mj-lt"/>
+                <a:ea typeface="+mj-ea"/>
+                <a:cs typeface="+mj-cs"/>
+                <a:sym typeface="Helvetica"/>
+              </a:defRPr>
+            </a:pPr>
+            <a:r>
+              <a:t>    react</a:t>
+            </a:r>
+          </a:p>
+          <a:p>
+            <a:pPr marL="228600" indent="-228600">
               <a:buAutoNum type="arabicParenR" startAt="1"/>
-              <a:defRPr sz="1560"/>
-            </a:pPr>
-            <a:r>
-              <a:t>    passport-google-oauth20</a:t>
-            </a:r>
-          </a:p>
-          <a:p>
-            <a:pPr lvl="1" marL="534923" indent="-178307" defTabSz="713231">
-              <a:spcBef>
-                <a:spcPts val="500"/>
-              </a:spcBef>
+              <a:defRPr sz="1500">
+                <a:latin typeface="+mj-lt"/>
+                <a:ea typeface="+mj-ea"/>
+                <a:cs typeface="+mj-cs"/>
+                <a:sym typeface="Helvetica"/>
+              </a:defRPr>
+            </a:pPr>
+            <a:r>
+              <a:t>    react-awesome-modal</a:t>
+            </a:r>
+          </a:p>
+          <a:p>
+            <a:pPr marL="228600" indent="-228600">
               <a:buAutoNum type="arabicParenR" startAt="1"/>
-              <a:defRPr sz="1560"/>
-            </a:pPr>
-            <a:r>
-              <a:t>    react</a:t>
-            </a:r>
-          </a:p>
-          <a:p>
-            <a:pPr lvl="1" marL="534923" indent="-178307" defTabSz="713231">
-              <a:spcBef>
-                <a:spcPts val="500"/>
-              </a:spcBef>
-              <a:buAutoNum type="arabicParenR" startAt="1"/>
-              <a:defRPr sz="1560"/>
-            </a:pPr>
-            <a:r>
-              <a:t>    react-awesome-modal</a:t>
-            </a:r>
-          </a:p>
-          <a:p>
-            <a:pPr lvl="1" marL="534923" indent="-178307" defTabSz="713231">
-              <a:spcBef>
-                <a:spcPts val="500"/>
-              </a:spcBef>
-              <a:buAutoNum type="arabicParenR" startAt="1"/>
-              <a:defRPr sz="1560"/>
+              <a:defRPr sz="1500">
+                <a:latin typeface="+mj-lt"/>
+                <a:ea typeface="+mj-ea"/>
+                <a:cs typeface="+mj-cs"/>
+                <a:sym typeface="Helvetica"/>
+              </a:defRPr>
             </a:pPr>
             <a:r>
               <a:t>    React-date-range </a:t>
@@ -3589,8 +3595,8 @@
         </p:nvSpPr>
         <p:spPr>
           <a:xfrm>
-            <a:off x="4335155" y="1610135"/>
-            <a:ext cx="3766615" cy="5008881"/>
+            <a:off x="4335155" y="1749835"/>
+            <a:ext cx="3766615" cy="4559809"/>
           </a:xfrm>
           <a:prstGeom prst="rect">
             <a:avLst/>
@@ -3610,227 +3616,269 @@
           </a:bodyPr>
           <a:lstStyle/>
           <a:p>
-            <a:pPr lvl="1" marL="685800" indent="-228600">
+            <a:pPr marL="228600" indent="-228600">
               <a:spcBef>
                 <a:spcPts val="700"/>
               </a:spcBef>
               <a:buSzPct val="100000"/>
               <a:buFont typeface="Arial"/>
-              <a:buAutoNum type="arabicParenR" startAt="17"/>
-              <a:defRPr sz="1500"/>
+              <a:buAutoNum type="arabicParenR" startAt="15"/>
+              <a:defRPr sz="1500">
+                <a:latin typeface="+mj-lt"/>
+                <a:ea typeface="+mj-ea"/>
+                <a:cs typeface="+mj-cs"/>
+                <a:sym typeface="Helvetica"/>
+              </a:defRPr>
             </a:pPr>
             <a:r>
               <a:t>    react-datepicker</a:t>
             </a:r>
           </a:p>
           <a:p>
-            <a:pPr lvl="1" marL="685800" indent="-228600">
+            <a:pPr marL="228600" indent="-228600">
               <a:spcBef>
                 <a:spcPts val="700"/>
               </a:spcBef>
               <a:buSzPct val="100000"/>
               <a:buFont typeface="Arial"/>
-              <a:buAutoNum type="arabicParenR" startAt="17"/>
-              <a:defRPr sz="1500"/>
+              <a:buAutoNum type="arabicParenR" startAt="15"/>
+              <a:defRPr sz="1500">
+                <a:latin typeface="+mj-lt"/>
+                <a:ea typeface="+mj-ea"/>
+                <a:cs typeface="+mj-cs"/>
+                <a:sym typeface="Helvetica"/>
+              </a:defRPr>
             </a:pPr>
             <a:r>
               <a:t>    react-dom</a:t>
             </a:r>
           </a:p>
           <a:p>
-            <a:pPr lvl="1" marL="685800" indent="-228600">
+            <a:pPr marL="228600" indent="-228600">
               <a:spcBef>
                 <a:spcPts val="700"/>
               </a:spcBef>
               <a:buSzPct val="100000"/>
               <a:buFont typeface="Arial"/>
-              <a:buAutoNum type="arabicParenR" startAt="17"/>
-              <a:defRPr sz="1500"/>
+              <a:buAutoNum type="arabicParenR" startAt="15"/>
+              <a:defRPr sz="1500">
+                <a:latin typeface="+mj-lt"/>
+                <a:ea typeface="+mj-ea"/>
+                <a:cs typeface="+mj-cs"/>
+                <a:sym typeface="Helvetica"/>
+              </a:defRPr>
             </a:pPr>
             <a:r>
               <a:t>    react-google-login</a:t>
             </a:r>
           </a:p>
           <a:p>
-            <a:pPr lvl="1" marL="685800" indent="-228600">
+            <a:pPr marL="228600" indent="-228600">
               <a:spcBef>
                 <a:spcPts val="700"/>
               </a:spcBef>
               <a:buSzPct val="100000"/>
               <a:buFont typeface="Arial"/>
-              <a:buAutoNum type="arabicParenR" startAt="17"/>
-              <a:defRPr sz="1500"/>
+              <a:buAutoNum type="arabicParenR" startAt="15"/>
+              <a:defRPr sz="1500">
+                <a:latin typeface="+mj-lt"/>
+                <a:ea typeface="+mj-ea"/>
+                <a:cs typeface="+mj-cs"/>
+                <a:sym typeface="Helvetica"/>
+              </a:defRPr>
             </a:pPr>
             <a:r>
               <a:t>    react-grid-gallery</a:t>
             </a:r>
           </a:p>
           <a:p>
-            <a:pPr lvl="1" marL="685800" indent="-228600">
+            <a:pPr marL="228600" indent="-228600">
               <a:spcBef>
                 <a:spcPts val="700"/>
               </a:spcBef>
               <a:buSzPct val="100000"/>
               <a:buFont typeface="Arial"/>
-              <a:buAutoNum type="arabicParenR" startAt="17"/>
-              <a:defRPr sz="1500"/>
+              <a:buAutoNum type="arabicParenR" startAt="15"/>
+              <a:defRPr sz="1500">
+                <a:latin typeface="+mj-lt"/>
+                <a:ea typeface="+mj-ea"/>
+                <a:cs typeface="+mj-cs"/>
+                <a:sym typeface="Helvetica"/>
+              </a:defRPr>
             </a:pPr>
             <a:r>
               <a:t>    react-leaflet</a:t>
             </a:r>
           </a:p>
           <a:p>
-            <a:pPr lvl="1" marL="685800" indent="-228600">
+            <a:pPr marL="228600" indent="-228600">
               <a:spcBef>
                 <a:spcPts val="700"/>
               </a:spcBef>
               <a:buSzPct val="100000"/>
               <a:buFont typeface="Arial"/>
-              <a:buAutoNum type="arabicParenR" startAt="17"/>
-              <a:defRPr sz="1500"/>
+              <a:buAutoNum type="arabicParenR" startAt="15"/>
+              <a:defRPr sz="1500">
+                <a:latin typeface="+mj-lt"/>
+                <a:ea typeface="+mj-ea"/>
+                <a:cs typeface="+mj-cs"/>
+                <a:sym typeface="Helvetica"/>
+              </a:defRPr>
             </a:pPr>
             <a:r>
               <a:t>    react-masonry-component</a:t>
             </a:r>
           </a:p>
           <a:p>
-            <a:pPr lvl="1" marL="685800" indent="-228600">
+            <a:pPr marL="228600" indent="-228600">
               <a:spcBef>
                 <a:spcPts val="700"/>
               </a:spcBef>
               <a:buSzPct val="100000"/>
               <a:buFont typeface="Arial"/>
-              <a:buAutoNum type="arabicParenR" startAt="17"/>
-              <a:defRPr sz="1500"/>
+              <a:buAutoNum type="arabicParenR" startAt="15"/>
+              <a:defRPr sz="1500">
+                <a:latin typeface="+mj-lt"/>
+                <a:ea typeface="+mj-ea"/>
+                <a:cs typeface="+mj-cs"/>
+                <a:sym typeface="Helvetica"/>
+              </a:defRPr>
             </a:pPr>
             <a:r>
               <a:t>    react-photo-gallery</a:t>
             </a:r>
           </a:p>
           <a:p>
-            <a:pPr lvl="1" marL="685800" indent="-228600">
+            <a:pPr marL="228600" indent="-228600">
               <a:spcBef>
                 <a:spcPts val="700"/>
               </a:spcBef>
               <a:buSzPct val="100000"/>
               <a:buFont typeface="Arial"/>
-              <a:buAutoNum type="arabicParenR" startAt="17"/>
-              <a:defRPr sz="1500"/>
-            </a:pPr>
-            <a:r>
-              <a:t>    react-places-autocomplete</a:t>
-            </a:r>
-          </a:p>
-          <a:p>
-            <a:pPr lvl="1" marL="685800" indent="-228600">
+              <a:buAutoNum type="arabicParenR" startAt="15"/>
+              <a:defRPr sz="1500">
+                <a:latin typeface="+mj-lt"/>
+                <a:ea typeface="+mj-ea"/>
+                <a:cs typeface="+mj-cs"/>
+                <a:sym typeface="Helvetica"/>
+              </a:defRPr>
+            </a:pPr>
+            <a:r>
+              <a:t>    react-router</a:t>
+            </a:r>
+          </a:p>
+          <a:p>
+            <a:pPr marL="228600" indent="-228600">
               <a:spcBef>
                 <a:spcPts val="700"/>
               </a:spcBef>
               <a:buSzPct val="100000"/>
               <a:buFont typeface="Arial"/>
-              <a:buAutoNum type="arabicParenR" startAt="17"/>
-              <a:defRPr sz="1500"/>
-            </a:pPr>
-            <a:r>
-              <a:t>    react-responsive-carousel</a:t>
-            </a:r>
-          </a:p>
-          <a:p>
-            <a:pPr lvl="1" marL="685800" indent="-228600">
+              <a:buAutoNum type="arabicParenR" startAt="15"/>
+              <a:defRPr sz="1500">
+                <a:latin typeface="+mj-lt"/>
+                <a:ea typeface="+mj-ea"/>
+                <a:cs typeface="+mj-cs"/>
+                <a:sym typeface="Helvetica"/>
+              </a:defRPr>
+            </a:pPr>
+            <a:r>
+              <a:t>    react-router-dom</a:t>
+            </a:r>
+          </a:p>
+          <a:p>
+            <a:pPr marL="228600" indent="-228600">
               <a:spcBef>
                 <a:spcPts val="700"/>
               </a:spcBef>
               <a:buSzPct val="100000"/>
               <a:buFont typeface="Arial"/>
-              <a:buAutoNum type="arabicParenR" startAt="17"/>
-              <a:defRPr sz="1500"/>
-            </a:pPr>
-            <a:r>
-              <a:t>    react-router</a:t>
-            </a:r>
-          </a:p>
-          <a:p>
-            <a:pPr lvl="1" marL="685800" indent="-228600">
+              <a:buAutoNum type="arabicParenR" startAt="15"/>
+              <a:defRPr sz="1500">
+                <a:latin typeface="+mj-lt"/>
+                <a:ea typeface="+mj-ea"/>
+                <a:cs typeface="+mj-cs"/>
+                <a:sym typeface="Helvetica"/>
+              </a:defRPr>
+            </a:pPr>
+            <a:r>
+              <a:t>    react-scripts</a:t>
+            </a:r>
+          </a:p>
+          <a:p>
+            <a:pPr marL="228600" indent="-228600">
               <a:spcBef>
                 <a:spcPts val="700"/>
               </a:spcBef>
               <a:buSzPct val="100000"/>
               <a:buFont typeface="Arial"/>
-              <a:buAutoNum type="arabicParenR" startAt="17"/>
-              <a:defRPr sz="1500"/>
-            </a:pPr>
-            <a:r>
-              <a:t>    react-router-dom</a:t>
-            </a:r>
-          </a:p>
-          <a:p>
-            <a:pPr lvl="1" marL="685800" indent="-228600">
+              <a:buAutoNum type="arabicParenR" startAt="15"/>
+              <a:defRPr sz="1500">
+                <a:latin typeface="+mj-lt"/>
+                <a:ea typeface="+mj-ea"/>
+                <a:cs typeface="+mj-cs"/>
+                <a:sym typeface="Helvetica"/>
+              </a:defRPr>
+            </a:pPr>
+            <a:r>
+              <a:t>    react-smooth-scrollbar</a:t>
+            </a:r>
+          </a:p>
+          <a:p>
+            <a:pPr marL="228600" indent="-228600">
               <a:spcBef>
                 <a:spcPts val="700"/>
               </a:spcBef>
               <a:buSzPct val="100000"/>
               <a:buFont typeface="Arial"/>
-              <a:buAutoNum type="arabicParenR" startAt="17"/>
-              <a:defRPr sz="1500"/>
-            </a:pPr>
-            <a:r>
-              <a:t>    react-scripts</a:t>
-            </a:r>
-          </a:p>
-          <a:p>
-            <a:pPr lvl="1" marL="685800" indent="-228600">
+              <a:buAutoNum type="arabicParenR" startAt="15"/>
+              <a:defRPr sz="1500">
+                <a:latin typeface="+mj-lt"/>
+                <a:ea typeface="+mj-ea"/>
+                <a:cs typeface="+mj-cs"/>
+                <a:sym typeface="Helvetica"/>
+              </a:defRPr>
+            </a:pPr>
+            <a:r>
+              <a:t>    smooth-scrollbar</a:t>
+            </a:r>
+          </a:p>
+          <a:p>
+            <a:pPr marL="228600" indent="-228600">
               <a:spcBef>
                 <a:spcPts val="700"/>
               </a:spcBef>
               <a:buSzPct val="100000"/>
               <a:buFont typeface="Arial"/>
-              <a:buAutoNum type="arabicParenR" startAt="17"/>
-              <a:defRPr sz="1500"/>
-            </a:pPr>
-            <a:r>
-              <a:t>    react-simple-image-slider</a:t>
-            </a:r>
-          </a:p>
-          <a:p>
-            <a:pPr lvl="1" marL="685800" indent="-228600">
+              <a:buAutoNum type="arabicParenR" startAt="15"/>
+              <a:defRPr sz="1500">
+                <a:latin typeface="+mj-lt"/>
+                <a:ea typeface="+mj-ea"/>
+                <a:cs typeface="+mj-cs"/>
+                <a:sym typeface="Helvetica"/>
+              </a:defRPr>
+            </a:pPr>
+            <a:r>
+              <a:t>    web-vitals</a:t>
+            </a:r>
+          </a:p>
+          <a:p>
+            <a:pPr marL="228600" indent="-228600">
               <a:spcBef>
                 <a:spcPts val="700"/>
               </a:spcBef>
               <a:buSzPct val="100000"/>
               <a:buFont typeface="Arial"/>
-              <a:buAutoNum type="arabicParenR" startAt="17"/>
-              <a:defRPr sz="1500"/>
-            </a:pPr>
-            <a:r>
-              <a:t>    react-smooth-scrollbar</a:t>
-            </a:r>
-          </a:p>
-          <a:p>
-            <a:pPr lvl="1" marL="685800" indent="-228600">
-              <a:spcBef>
-                <a:spcPts val="700"/>
-              </a:spcBef>
-              <a:buSzPct val="100000"/>
-              <a:buFont typeface="Arial"/>
-              <a:buAutoNum type="arabicParenR" startAt="17"/>
-              <a:defRPr sz="1500"/>
-            </a:pPr>
-            <a:r>
-              <a:t>    smooth-scrollbar</a:t>
-            </a:r>
-          </a:p>
-          <a:p>
-            <a:pPr lvl="1" marL="685800" indent="-228600">
-              <a:spcBef>
-                <a:spcPts val="700"/>
-              </a:spcBef>
-              <a:buSzPct val="100000"/>
-              <a:buFont typeface="Arial"/>
-              <a:buAutoNum type="arabicParenR" startAt="17"/>
-              <a:defRPr sz="1500"/>
-            </a:pPr>
-            <a:r>
-              <a:t>    web-vitals</a:t>
+              <a:buAutoNum type="arabicParenR" startAt="15"/>
+              <a:defRPr sz="1500">
+                <a:latin typeface="+mj-lt"/>
+                <a:ea typeface="+mj-ea"/>
+                <a:cs typeface="+mj-cs"/>
+                <a:sym typeface="Helvetica"/>
+              </a:defRPr>
+            </a:pPr>
+            <a:r>
+              <a:t>    Usage of Custom Fonts</a:t>
             </a:r>
           </a:p>
         </p:txBody>
@@ -3897,8 +3945,8 @@
         </p:nvSpPr>
         <p:spPr>
           <a:xfrm>
-            <a:off x="593454" y="2221230"/>
-            <a:ext cx="3884153" cy="2821941"/>
+            <a:off x="593454" y="2373630"/>
+            <a:ext cx="3884153" cy="2440941"/>
           </a:xfrm>
           <a:prstGeom prst="rect">
             <a:avLst/>
@@ -3921,7 +3969,7 @@
             <a:pPr marL="180473" indent="-180473">
               <a:buSzPct val="100000"/>
               <a:buChar char="•"/>
-              <a:defRPr sz="2200"/>
+              <a:defRPr sz="2600"/>
             </a:pPr>
             <a:r>
               <a:t>Petra Backend-</a:t>
@@ -3931,7 +3979,7 @@
             <a:pPr lvl="1" marL="748631" indent="-240631">
               <a:buSzPct val="90000"/>
               <a:buAutoNum type="arabicParenR" startAt="1"/>
-              <a:defRPr sz="2200"/>
+              <a:defRPr sz="2600"/>
             </a:pPr>
             <a:r>
               <a:t>   </a:t>
@@ -3943,7 +3991,7 @@
                 <a:cs typeface="Charter Roman"/>
                 <a:sym typeface="Charter Roman"/>
               </a:rPr>
-              <a:t> body-parser</a:t>
+              <a:t>  body-parser</a:t>
             </a:r>
             <a:endParaRPr>
               <a:latin typeface="Charter Roman"/>
@@ -3956,7 +4004,7 @@
             <a:pPr lvl="1" marL="748631" indent="-240631">
               <a:buSzPct val="90000"/>
               <a:buAutoNum type="arabicParenR" startAt="1"/>
-              <a:defRPr sz="2200">
+              <a:defRPr sz="2600">
                 <a:latin typeface="Charter Roman"/>
                 <a:ea typeface="Charter Roman"/>
                 <a:cs typeface="Charter Roman"/>
@@ -3971,7 +4019,7 @@
             <a:pPr lvl="1" marL="748631" indent="-240631">
               <a:buSzPct val="90000"/>
               <a:buAutoNum type="arabicParenR" startAt="1"/>
-              <a:defRPr sz="2200">
+              <a:defRPr sz="2600">
                 <a:latin typeface="Charter Roman"/>
                 <a:ea typeface="Charter Roman"/>
                 <a:cs typeface="Charter Roman"/>
@@ -3986,7 +4034,7 @@
             <a:pPr lvl="1" marL="748631" indent="-240631">
               <a:buSzPct val="90000"/>
               <a:buAutoNum type="arabicParenR" startAt="1"/>
-              <a:defRPr sz="2200">
+              <a:defRPr sz="2600">
                 <a:latin typeface="Charter Roman"/>
                 <a:ea typeface="Charter Roman"/>
                 <a:cs typeface="Charter Roman"/>
@@ -4001,7 +4049,7 @@
             <a:pPr lvl="1" marL="748631" indent="-240631">
               <a:buSzPct val="90000"/>
               <a:buAutoNum type="arabicParenR" startAt="1"/>
-              <a:defRPr sz="2200">
+              <a:defRPr sz="2600">
                 <a:latin typeface="Charter Roman"/>
                 <a:ea typeface="Charter Roman"/>
                 <a:cs typeface="Charter Roman"/>
@@ -4012,48 +4060,18 @@
               <a:t>     express-jwt</a:t>
             </a:r>
           </a:p>
-          <a:p>
-            <a:pPr lvl="1" marL="748631" indent="-240631">
-              <a:buSzPct val="90000"/>
-              <a:buAutoNum type="arabicParenR" startAt="1"/>
-              <a:defRPr sz="2200">
-                <a:latin typeface="Charter Roman"/>
-                <a:ea typeface="Charter Roman"/>
-                <a:cs typeface="Charter Roman"/>
-                <a:sym typeface="Charter Roman"/>
-              </a:defRPr>
-            </a:pPr>
-            <a:r>
-              <a:t>     express-session</a:t>
-            </a:r>
-          </a:p>
-          <a:p>
-            <a:pPr lvl="1" marL="748631" indent="-240631">
-              <a:buSzPct val="90000"/>
-              <a:buAutoNum type="arabicParenR" startAt="1"/>
-              <a:defRPr sz="2200">
-                <a:latin typeface="Charter Roman"/>
-                <a:ea typeface="Charter Roman"/>
-                <a:cs typeface="Charter Roman"/>
-                <a:sym typeface="Charter Roman"/>
-              </a:defRPr>
-            </a:pPr>
-            <a:r>
-              <a:t>     google-auth-library</a:t>
-            </a:r>
-          </a:p>
         </p:txBody>
       </p:sp>
       <p:sp>
         <p:nvSpPr>
-          <p:cNvPr id="109" name="jsonwebtoken…"/>
+          <p:cNvPr id="109" name="express-session…"/>
           <p:cNvSpPr txBox="1"/>
           <p:nvPr/>
         </p:nvSpPr>
         <p:spPr>
           <a:xfrm>
-            <a:off x="4457385" y="2387298"/>
-            <a:ext cx="4162168" cy="2733041"/>
+            <a:off x="4457385" y="2793698"/>
+            <a:ext cx="4584327" cy="2059941"/>
           </a:xfrm>
           <a:prstGeom prst="rect">
             <a:avLst/>
@@ -4075,8 +4093,8 @@
           <a:p>
             <a:pPr lvl="1" marL="748631" indent="-240631">
               <a:buSzPct val="90000"/>
-              <a:buAutoNum type="arabicParenR" startAt="8"/>
-              <a:defRPr sz="2100">
+              <a:buAutoNum type="arabicParenR" startAt="6"/>
+              <a:defRPr sz="2600">
                 <a:latin typeface="Charter Roman"/>
                 <a:ea typeface="Charter Roman"/>
                 <a:cs typeface="Charter Roman"/>
@@ -4084,14 +4102,14 @@
               </a:defRPr>
             </a:pPr>
             <a:r>
-              <a:t>     jsonwebtoken</a:t>
+              <a:t>     express-session</a:t>
             </a:r>
           </a:p>
           <a:p>
             <a:pPr lvl="1" marL="748631" indent="-240631">
               <a:buSzPct val="90000"/>
-              <a:buAutoNum type="arabicParenR" startAt="8"/>
-              <a:defRPr sz="2100">
+              <a:buAutoNum type="arabicParenR" startAt="6"/>
+              <a:defRPr sz="2600">
                 <a:latin typeface="Charter Roman"/>
                 <a:ea typeface="Charter Roman"/>
                 <a:cs typeface="Charter Roman"/>
@@ -4099,14 +4117,14 @@
               </a:defRPr>
             </a:pPr>
             <a:r>
-              <a:t>     mongoose</a:t>
+              <a:t>     google-auth-library     </a:t>
             </a:r>
           </a:p>
           <a:p>
             <a:pPr lvl="1" marL="748631" indent="-240631">
               <a:buSzPct val="90000"/>
-              <a:buAutoNum type="arabicParenR" startAt="8"/>
-              <a:defRPr sz="2100">
+              <a:buAutoNum type="arabicParenR" startAt="6"/>
+              <a:defRPr sz="2600">
                 <a:latin typeface="Charter Roman"/>
                 <a:ea typeface="Charter Roman"/>
                 <a:cs typeface="Charter Roman"/>
@@ -4114,14 +4132,14 @@
               </a:defRPr>
             </a:pPr>
             <a:r>
-              <a:t>    mongoose-findorcreate</a:t>
+              <a:t>     jsonwebtoken</a:t>
             </a:r>
           </a:p>
           <a:p>
             <a:pPr lvl="1" marL="748631" indent="-240631">
               <a:buSzPct val="90000"/>
-              <a:buAutoNum type="arabicParenR" startAt="8"/>
-              <a:defRPr sz="2100">
+              <a:buAutoNum type="arabicParenR" startAt="6"/>
+              <a:defRPr sz="2600">
                 <a:latin typeface="Charter Roman"/>
                 <a:ea typeface="Charter Roman"/>
                 <a:cs typeface="Charter Roman"/>
@@ -4129,14 +4147,14 @@
               </a:defRPr>
             </a:pPr>
             <a:r>
-              <a:t>    nodemon</a:t>
+              <a:t>     mongoose</a:t>
             </a:r>
           </a:p>
           <a:p>
             <a:pPr lvl="1" marL="748631" indent="-240631">
               <a:buSzPct val="90000"/>
-              <a:buAutoNum type="arabicParenR" startAt="8"/>
-              <a:defRPr sz="2100">
+              <a:buAutoNum type="arabicParenR" startAt="6"/>
+              <a:defRPr sz="2600">
                 <a:latin typeface="Charter Roman"/>
                 <a:ea typeface="Charter Roman"/>
                 <a:cs typeface="Charter Roman"/>
@@ -4144,52 +4162,7 @@
               </a:defRPr>
             </a:pPr>
             <a:r>
-              <a:t>    passport</a:t>
-            </a:r>
-          </a:p>
-          <a:p>
-            <a:pPr lvl="1" marL="748631" indent="-240631">
-              <a:buSzPct val="90000"/>
-              <a:buAutoNum type="arabicParenR" startAt="8"/>
-              <a:defRPr sz="2100">
-                <a:latin typeface="Charter Roman"/>
-                <a:ea typeface="Charter Roman"/>
-                <a:cs typeface="Charter Roman"/>
-                <a:sym typeface="Charter Roman"/>
-              </a:defRPr>
-            </a:pPr>
-            <a:r>
-              <a:t>    passport-google-oauth20</a:t>
-            </a:r>
-          </a:p>
-          <a:p>
-            <a:pPr lvl="1" marL="748631" indent="-240631">
-              <a:buSzPct val="90000"/>
-              <a:buAutoNum type="arabicParenR" startAt="8"/>
-              <a:defRPr sz="2100">
-                <a:latin typeface="Charter Roman"/>
-                <a:ea typeface="Charter Roman"/>
-                <a:cs typeface="Charter Roman"/>
-                <a:sym typeface="Charter Roman"/>
-              </a:defRPr>
-            </a:pPr>
-            <a:r>
-              <a:t>    passport-local</a:t>
-            </a:r>
-          </a:p>
-          <a:p>
-            <a:pPr lvl="1" marL="748631" indent="-240631">
-              <a:buSzPct val="90000"/>
-              <a:buAutoNum type="arabicParenR" startAt="8"/>
-              <a:defRPr sz="2100">
-                <a:latin typeface="Charter Roman"/>
-                <a:ea typeface="Charter Roman"/>
-                <a:cs typeface="Charter Roman"/>
-                <a:sym typeface="Charter Roman"/>
-              </a:defRPr>
-            </a:pPr>
-            <a:r>
-              <a:t>    passport-local-mongoose</a:t>
+              <a:t>   nodemon</a:t>
             </a:r>
           </a:p>
         </p:txBody>
